--- a/Presentation/2uzuBook-중간발표.pptx
+++ b/Presentation/2uzuBook-중간발표.pptx
@@ -225,7 +225,7 @@
           <a:p>
             <a:fld id="{804355DA-3640-4518-B87F-45455F76D2CC}" type="datetimeFigureOut">
               <a:rPr lang="ko-KR" altLang="en-US" smtClean="0"/>
-              <a:t>2017-05-31</a:t>
+              <a:t>2017-10-15</a:t>
             </a:fld>
             <a:endParaRPr lang="ko-KR" altLang="en-US"/>
           </a:p>
@@ -847,19 +847,7 @@
                 <a:ea typeface="+mn-ea"/>
                 <a:cs typeface="+mn-cs"/>
               </a:rPr>
-              <a:t>페이지로 보여주</a:t>
-            </a:r>
-            <a:r>
-              <a:rPr lang="ko-KR" altLang="en-US" sz="1200" b="0" i="0" kern="1200" dirty="0" smtClean="0">
-                <a:solidFill>
-                  <a:schemeClr val="tx1"/>
-                </a:solidFill>
-                <a:effectLst/>
-                <a:latin typeface="+mn-lt"/>
-                <a:ea typeface="+mn-ea"/>
-                <a:cs typeface="+mn-cs"/>
-              </a:rPr>
-              <a:t>기</a:t>
+              <a:t>페이지로 보여주기</a:t>
             </a:r>
             <a:endParaRPr lang="ko-KR" altLang="en-US" dirty="0"/>
           </a:p>
@@ -3083,7 +3071,7 @@
           <a:p>
             <a:fld id="{D8679A82-9205-4C4E-AE76-DC9B8C3BC3DB}" type="datetimeFigureOut">
               <a:rPr lang="ko-KR" altLang="en-US" smtClean="0"/>
-              <a:t>2017-05-31</a:t>
+              <a:t>2017-10-15</a:t>
             </a:fld>
             <a:endParaRPr lang="ko-KR" altLang="en-US"/>
           </a:p>
@@ -3275,7 +3263,7 @@
           <a:p>
             <a:fld id="{4D59E578-9DC1-4DD3-92E6-64BF13507811}" type="datetimeFigureOut">
               <a:rPr lang="ko-KR" altLang="en-US" smtClean="0"/>
-              <a:t>2017-05-31</a:t>
+              <a:t>2017-10-15</a:t>
             </a:fld>
             <a:endParaRPr lang="ko-KR" altLang="en-US"/>
           </a:p>
@@ -3495,7 +3483,7 @@
           <a:p>
             <a:fld id="{D8679A82-9205-4C4E-AE76-DC9B8C3BC3DB}" type="datetimeFigureOut">
               <a:rPr lang="ko-KR" altLang="en-US" smtClean="0"/>
-              <a:t>2017-05-31</a:t>
+              <a:t>2017-10-15</a:t>
             </a:fld>
             <a:endParaRPr lang="ko-KR" altLang="en-US"/>
           </a:p>
@@ -27442,17 +27430,7 @@
                 <a:latin typeface="Noto Sans CJK KR Medium" panose="020B0600000000000000" pitchFamily="34" charset="-127"/>
                 <a:ea typeface="Noto Sans CJK KR Medium" panose="020B0600000000000000" pitchFamily="34" charset="-127"/>
               </a:rPr>
-              <a:t>03 </a:t>
-            </a:r>
-            <a:r>
-              <a:rPr lang="en-US" altLang="ko-KR" sz="1400" dirty="0" smtClean="0">
-                <a:solidFill>
-                  <a:schemeClr val="bg1"/>
-                </a:solidFill>
-                <a:latin typeface="Noto Sans CJK KR Medium" panose="020B0600000000000000" pitchFamily="34" charset="-127"/>
-                <a:ea typeface="Noto Sans CJK KR Medium" panose="020B0600000000000000" pitchFamily="34" charset="-127"/>
-              </a:rPr>
-              <a:t>UI</a:t>
+              <a:t>03 UI</a:t>
             </a:r>
           </a:p>
           <a:p>
@@ -27938,17 +27916,7 @@
                 <a:latin typeface="Noto Sans CJK KR Medium" panose="020B0600000000000000" pitchFamily="34" charset="-127"/>
                 <a:ea typeface="Noto Sans CJK KR Medium" panose="020B0600000000000000" pitchFamily="34" charset="-127"/>
               </a:rPr>
-              <a:t>공부</a:t>
-            </a:r>
-            <a:r>
-              <a:rPr lang="ko-KR" altLang="en-US" sz="1400" dirty="0" smtClean="0">
-                <a:solidFill>
-                  <a:schemeClr val="bg1"/>
-                </a:solidFill>
-                <a:latin typeface="Noto Sans CJK KR Medium" panose="020B0600000000000000" pitchFamily="34" charset="-127"/>
-                <a:ea typeface="Noto Sans CJK KR Medium" panose="020B0600000000000000" pitchFamily="34" charset="-127"/>
-              </a:rPr>
-              <a:t> 해야 할 것</a:t>
+              <a:t>공부 해야 할 것</a:t>
             </a:r>
             <a:endParaRPr lang="en-US" altLang="ko-KR" sz="1400" dirty="0" smtClean="0">
               <a:solidFill>
@@ -27983,17 +27951,7 @@
                 <a:latin typeface="Noto Sans CJK KR Medium" panose="020B0600000000000000" pitchFamily="34" charset="-127"/>
                 <a:ea typeface="Noto Sans CJK KR Medium" panose="020B0600000000000000" pitchFamily="34" charset="-127"/>
               </a:rPr>
-              <a:t>공부한 것</a:t>
-            </a:r>
-            <a:r>
-              <a:rPr lang="ko-KR" altLang="en-US" sz="1400" dirty="0" smtClean="0">
-                <a:solidFill>
-                  <a:schemeClr val="bg1"/>
-                </a:solidFill>
-                <a:latin typeface="Noto Sans CJK KR Medium" panose="020B0600000000000000" pitchFamily="34" charset="-127"/>
-                <a:ea typeface="Noto Sans CJK KR Medium" panose="020B0600000000000000" pitchFamily="34" charset="-127"/>
-              </a:rPr>
-              <a:t> </a:t>
+              <a:t>공부한 것 </a:t>
             </a:r>
             <a:endParaRPr lang="en-US" altLang="ko-KR" sz="1400" dirty="0">
               <a:solidFill>
